--- a/papers/journalSwarmControl/pictures/MainRegionsv2.pptx
+++ b/papers/journalSwarmControl/pictures/MainRegionsv2.pptx
@@ -3367,7 +3367,7 @@
           <p:nvPr>
             <p:extLst>
               <p:ext uri="{D42A27DB-BD31-4B8C-83A1-F6EECF244321}">
-                <p14:modId xmlns:p14="http://schemas.microsoft.com/office/powerpoint/2010/main" val="4122352154"/>
+                <p14:modId xmlns:p14="http://schemas.microsoft.com/office/powerpoint/2010/main" val="763989402"/>
               </p:ext>
             </p:extLst>
           </p:nvPr>
@@ -3414,7 +3414,7 @@
                           <a:latin typeface="Times New Roman" panose="02020603050405020304" pitchFamily="18" charset="0"/>
                           <a:cs typeface="Times New Roman" panose="02020603050405020304" pitchFamily="18" charset="0"/>
                         </a:rPr>
-                        <a:t>Main Region 2</a:t>
+                        <a:t>Main Region 3</a:t>
                       </a:r>
                     </a:p>
                   </a:txBody>
@@ -3471,7 +3471,7 @@
                           <a:latin typeface="Times New Roman" panose="02020603050405020304" pitchFamily="18" charset="0"/>
                           <a:cs typeface="Times New Roman" panose="02020603050405020304" pitchFamily="18" charset="0"/>
                         </a:rPr>
-                        <a:t> 1</a:t>
+                        <a:t> 2</a:t>
                       </a:r>
                       <a:endParaRPr lang="en-US" sz="1600" b="0" cap="none" spc="0" dirty="0">
                         <a:ln w="0"/>
@@ -3525,7 +3525,7 @@
                           <a:latin typeface="Times New Roman" panose="02020603050405020304" pitchFamily="18" charset="0"/>
                           <a:cs typeface="Times New Roman" panose="02020603050405020304" pitchFamily="18" charset="0"/>
                         </a:rPr>
-                        <a:t>Main Region 0</a:t>
+                        <a:t>Main Region 1</a:t>
                       </a:r>
                     </a:p>
                   </a:txBody>
@@ -3669,351 +3669,312 @@
           </a:p>
         </p:txBody>
       </p:sp>
-      <p:grpSp>
-        <p:nvGrpSpPr>
-          <p:cNvPr id="2" name="Group 1"/>
-          <p:cNvGrpSpPr/>
+      <p:sp>
+        <p:nvSpPr>
+          <p:cNvPr id="38" name="Oval 37"/>
+          <p:cNvSpPr/>
           <p:nvPr/>
-        </p:nvGrpSpPr>
-        <p:grpSpPr>
+        </p:nvSpPr>
+        <p:spPr>
           <a:xfrm>
             <a:off x="2934043" y="1186505"/>
-            <a:ext cx="128892" cy="357667"/>
-            <a:chOff x="2934043" y="1186505"/>
-            <a:chExt cx="128892" cy="357667"/>
+            <a:ext cx="128892" cy="137260"/>
           </a:xfrm>
-        </p:grpSpPr>
-        <p:sp>
-          <p:nvSpPr>
-            <p:cNvPr id="38" name="Oval 37"/>
-            <p:cNvSpPr/>
-            <p:nvPr/>
-          </p:nvSpPr>
-          <p:spPr>
-            <a:xfrm>
-              <a:off x="2934043" y="1186505"/>
-              <a:ext cx="128892" cy="137260"/>
-            </a:xfrm>
-            <a:prstGeom prst="ellipse">
+          <a:prstGeom prst="ellipse">
+            <a:avLst/>
+          </a:prstGeom>
+          <a:solidFill>
+            <a:srgbClr val="38F838"/>
+          </a:solidFill>
+          <a:ln w="38100">
+            <a:solidFill>
+              <a:srgbClr val="0000FF"/>
+            </a:solidFill>
+          </a:ln>
+        </p:spPr>
+        <p:style>
+          <a:lnRef idx="2">
+            <a:schemeClr val="accent1">
+              <a:shade val="50000"/>
+            </a:schemeClr>
+          </a:lnRef>
+          <a:fillRef idx="1">
+            <a:schemeClr val="accent1"/>
+          </a:fillRef>
+          <a:effectRef idx="0">
+            <a:schemeClr val="accent1"/>
+          </a:effectRef>
+          <a:fontRef idx="minor">
+            <a:schemeClr val="lt1"/>
+          </a:fontRef>
+        </p:style>
+        <p:txBody>
+          <a:bodyPr rot="0" spcFirstLastPara="0" vertOverflow="overflow" horzOverflow="overflow" vert="horz" wrap="square" lIns="101298" tIns="50649" rIns="101298" bIns="50649" numCol="1" spcCol="0" rtlCol="0" fromWordArt="0" anchor="ctr" anchorCtr="0" forceAA="0" compatLnSpc="1">
+            <a:prstTxWarp prst="textNoShape">
               <a:avLst/>
-            </a:prstGeom>
+            </a:prstTxWarp>
+            <a:noAutofit/>
+          </a:bodyPr>
+          <a:lstStyle/>
+          <a:p>
+            <a:pPr algn="ctr"/>
+            <a:endParaRPr lang="en-US" sz="1994"/>
+          </a:p>
+        </p:txBody>
+      </p:sp>
+      <p:sp>
+        <p:nvSpPr>
+          <p:cNvPr id="33" name="Oval 32"/>
+          <p:cNvSpPr/>
+          <p:nvPr/>
+        </p:nvSpPr>
+        <p:spPr>
+          <a:xfrm>
+            <a:off x="2934043" y="1414935"/>
+            <a:ext cx="128892" cy="129237"/>
+          </a:xfrm>
+          <a:prstGeom prst="ellipse">
+            <a:avLst/>
+          </a:prstGeom>
+          <a:solidFill>
+            <a:srgbClr val="B0C4DE"/>
+          </a:solidFill>
+          <a:ln w="19050">
             <a:solidFill>
-              <a:srgbClr val="38F838"/>
+              <a:srgbClr val="B0C4DE"/>
             </a:solidFill>
-            <a:ln w="19050">
-              <a:solidFill>
-                <a:srgbClr val="0000FF"/>
-              </a:solidFill>
-            </a:ln>
-          </p:spPr>
-          <p:style>
-            <a:lnRef idx="2">
-              <a:schemeClr val="accent1">
-                <a:shade val="50000"/>
-              </a:schemeClr>
-            </a:lnRef>
-            <a:fillRef idx="1">
-              <a:schemeClr val="accent1"/>
-            </a:fillRef>
-            <a:effectRef idx="0">
-              <a:schemeClr val="accent1"/>
-            </a:effectRef>
-            <a:fontRef idx="minor">
-              <a:schemeClr val="lt1"/>
-            </a:fontRef>
-          </p:style>
-          <p:txBody>
-            <a:bodyPr rot="0" spcFirstLastPara="0" vertOverflow="overflow" horzOverflow="overflow" vert="horz" wrap="square" lIns="101298" tIns="50649" rIns="101298" bIns="50649" numCol="1" spcCol="0" rtlCol="0" fromWordArt="0" anchor="ctr" anchorCtr="0" forceAA="0" compatLnSpc="1">
-              <a:prstTxWarp prst="textNoShape">
-                <a:avLst/>
-              </a:prstTxWarp>
-              <a:noAutofit/>
-            </a:bodyPr>
-            <a:lstStyle/>
-            <a:p>
-              <a:pPr algn="ctr"/>
-              <a:endParaRPr lang="en-US" sz="1994"/>
-            </a:p>
-          </p:txBody>
-        </p:sp>
-        <p:sp>
-          <p:nvSpPr>
-            <p:cNvPr id="33" name="Oval 32"/>
-            <p:cNvSpPr/>
-            <p:nvPr/>
-          </p:nvSpPr>
-          <p:spPr>
-            <a:xfrm>
-              <a:off x="2934043" y="1414935"/>
-              <a:ext cx="128892" cy="129237"/>
-            </a:xfrm>
-            <a:prstGeom prst="ellipse">
+          </a:ln>
+        </p:spPr>
+        <p:style>
+          <a:lnRef idx="2">
+            <a:schemeClr val="accent1">
+              <a:shade val="50000"/>
+            </a:schemeClr>
+          </a:lnRef>
+          <a:fillRef idx="1">
+            <a:schemeClr val="accent1"/>
+          </a:fillRef>
+          <a:effectRef idx="0">
+            <a:schemeClr val="accent1"/>
+          </a:effectRef>
+          <a:fontRef idx="minor">
+            <a:schemeClr val="lt1"/>
+          </a:fontRef>
+        </p:style>
+        <p:txBody>
+          <a:bodyPr rot="0" spcFirstLastPara="0" vertOverflow="overflow" horzOverflow="overflow" vert="horz" wrap="square" lIns="101298" tIns="50649" rIns="101298" bIns="50649" numCol="1" spcCol="0" rtlCol="0" fromWordArt="0" anchor="ctr" anchorCtr="0" forceAA="0" compatLnSpc="1">
+            <a:prstTxWarp prst="textNoShape">
               <a:avLst/>
-            </a:prstGeom>
+            </a:prstTxWarp>
+            <a:noAutofit/>
+          </a:bodyPr>
+          <a:lstStyle/>
+          <a:p>
+            <a:pPr algn="ctr"/>
+            <a:endParaRPr lang="en-US" sz="1994"/>
+          </a:p>
+        </p:txBody>
+      </p:sp>
+      <p:sp>
+        <p:nvSpPr>
+          <p:cNvPr id="41" name="Oval 40"/>
+          <p:cNvSpPr/>
+          <p:nvPr/>
+        </p:nvSpPr>
+        <p:spPr>
+          <a:xfrm>
+            <a:off x="2928900" y="686251"/>
+            <a:ext cx="128892" cy="137260"/>
+          </a:xfrm>
+          <a:prstGeom prst="ellipse">
+            <a:avLst/>
+          </a:prstGeom>
+          <a:noFill/>
+          <a:ln w="38100">
             <a:solidFill>
-              <a:schemeClr val="bg1">
-                <a:lumMod val="85000"/>
-              </a:schemeClr>
+              <a:srgbClr val="FF0000"/>
             </a:solidFill>
-            <a:ln w="19050">
-              <a:solidFill>
-                <a:srgbClr val="FF0000"/>
-              </a:solidFill>
-            </a:ln>
-          </p:spPr>
-          <p:style>
-            <a:lnRef idx="2">
-              <a:schemeClr val="accent1">
-                <a:shade val="50000"/>
-              </a:schemeClr>
-            </a:lnRef>
-            <a:fillRef idx="1">
-              <a:schemeClr val="accent1"/>
-            </a:fillRef>
-            <a:effectRef idx="0">
-              <a:schemeClr val="accent1"/>
-            </a:effectRef>
-            <a:fontRef idx="minor">
-              <a:schemeClr val="lt1"/>
-            </a:fontRef>
-          </p:style>
-          <p:txBody>
-            <a:bodyPr rot="0" spcFirstLastPara="0" vertOverflow="overflow" horzOverflow="overflow" vert="horz" wrap="square" lIns="101298" tIns="50649" rIns="101298" bIns="50649" numCol="1" spcCol="0" rtlCol="0" fromWordArt="0" anchor="ctr" anchorCtr="0" forceAA="0" compatLnSpc="1">
-              <a:prstTxWarp prst="textNoShape">
-                <a:avLst/>
-              </a:prstTxWarp>
-              <a:noAutofit/>
-            </a:bodyPr>
-            <a:lstStyle/>
-            <a:p>
-              <a:pPr algn="ctr"/>
-              <a:endParaRPr lang="en-US" sz="1994"/>
-            </a:p>
-          </p:txBody>
-        </p:sp>
-      </p:grpSp>
-      <p:grpSp>
-        <p:nvGrpSpPr>
-          <p:cNvPr id="3" name="Group 2"/>
-          <p:cNvGrpSpPr/>
+          </a:ln>
+        </p:spPr>
+        <p:style>
+          <a:lnRef idx="2">
+            <a:schemeClr val="accent1">
+              <a:shade val="50000"/>
+            </a:schemeClr>
+          </a:lnRef>
+          <a:fillRef idx="1">
+            <a:schemeClr val="accent1"/>
+          </a:fillRef>
+          <a:effectRef idx="0">
+            <a:schemeClr val="accent1"/>
+          </a:effectRef>
+          <a:fontRef idx="minor">
+            <a:schemeClr val="lt1"/>
+          </a:fontRef>
+        </p:style>
+        <p:txBody>
+          <a:bodyPr rot="0" spcFirstLastPara="0" vertOverflow="overflow" horzOverflow="overflow" vert="horz" wrap="square" lIns="101298" tIns="50649" rIns="101298" bIns="50649" numCol="1" spcCol="0" rtlCol="0" fromWordArt="0" anchor="ctr" anchorCtr="0" forceAA="0" compatLnSpc="1">
+            <a:prstTxWarp prst="textNoShape">
+              <a:avLst/>
+            </a:prstTxWarp>
+            <a:noAutofit/>
+          </a:bodyPr>
+          <a:lstStyle/>
+          <a:p>
+            <a:pPr algn="ctr"/>
+            <a:endParaRPr lang="en-US" sz="1994"/>
+          </a:p>
+        </p:txBody>
+      </p:sp>
+      <p:sp>
+        <p:nvSpPr>
+          <p:cNvPr id="44" name="Oval 43"/>
+          <p:cNvSpPr/>
           <p:nvPr/>
-        </p:nvGrpSpPr>
-        <p:grpSpPr>
+        </p:nvSpPr>
+        <p:spPr>
+          <a:xfrm>
+            <a:off x="2934043" y="444147"/>
+            <a:ext cx="128892" cy="137260"/>
+          </a:xfrm>
+          <a:prstGeom prst="ellipse">
+            <a:avLst/>
+          </a:prstGeom>
+          <a:noFill/>
+          <a:ln w="38100">
+            <a:solidFill>
+              <a:schemeClr val="tx1"/>
+            </a:solidFill>
+          </a:ln>
+        </p:spPr>
+        <p:style>
+          <a:lnRef idx="2">
+            <a:schemeClr val="accent1">
+              <a:shade val="50000"/>
+            </a:schemeClr>
+          </a:lnRef>
+          <a:fillRef idx="1">
+            <a:schemeClr val="accent1"/>
+          </a:fillRef>
+          <a:effectRef idx="0">
+            <a:schemeClr val="accent1"/>
+          </a:effectRef>
+          <a:fontRef idx="minor">
+            <a:schemeClr val="lt1"/>
+          </a:fontRef>
+        </p:style>
+        <p:txBody>
+          <a:bodyPr rot="0" spcFirstLastPara="0" vertOverflow="overflow" horzOverflow="overflow" vert="horz" wrap="square" lIns="101298" tIns="50649" rIns="101298" bIns="50649" numCol="1" spcCol="0" rtlCol="0" fromWordArt="0" anchor="ctr" anchorCtr="0" forceAA="0" compatLnSpc="1">
+            <a:prstTxWarp prst="textNoShape">
+              <a:avLst/>
+            </a:prstTxWarp>
+            <a:noAutofit/>
+          </a:bodyPr>
+          <a:lstStyle/>
+          <a:p>
+            <a:pPr algn="ctr"/>
+            <a:endParaRPr lang="en-US" sz="1994"/>
+          </a:p>
+        </p:txBody>
+      </p:sp>
+      <p:sp>
+        <p:nvSpPr>
+          <p:cNvPr id="15" name="TextBox 14"/>
+          <p:cNvSpPr txBox="1"/>
+          <p:nvPr/>
+        </p:nvSpPr>
+        <p:spPr>
           <a:xfrm>
             <a:off x="894722" y="338771"/>
             <a:ext cx="2330699" cy="1272144"/>
-            <a:chOff x="894722" y="364171"/>
-            <a:chExt cx="2330699" cy="1272144"/>
           </a:xfrm>
-        </p:grpSpPr>
-        <p:sp>
-          <p:nvSpPr>
-            <p:cNvPr id="34" name="TextBox 33"/>
-            <p:cNvSpPr txBox="1"/>
-            <p:nvPr/>
-          </p:nvSpPr>
-          <p:spPr>
-            <a:xfrm>
-              <a:off x="894722" y="364171"/>
-              <a:ext cx="2330699" cy="1272144"/>
-            </a:xfrm>
-            <a:prstGeom prst="rect">
-              <a:avLst/>
-            </a:prstGeom>
-            <a:noFill/>
-            <a:ln w="28575">
-              <a:solidFill>
-                <a:srgbClr val="C00000"/>
-              </a:solidFill>
-            </a:ln>
-          </p:spPr>
-          <p:txBody>
-            <a:bodyPr wrap="square" rtlCol="0">
-              <a:spAutoFit/>
-            </a:bodyPr>
-            <a:lstStyle/>
-            <a:p>
-              <a:pPr>
-                <a:spcAft>
-                  <a:spcPts val="221"/>
-                </a:spcAft>
-              </a:pPr>
-              <a:r>
-                <a:rPr lang="en-US" sz="1400" b="1" dirty="0">
-                  <a:latin typeface="Times New Roman" panose="02020603050405020304" pitchFamily="18" charset="0"/>
-                  <a:cs typeface="Times New Roman" panose="02020603050405020304" pitchFamily="18" charset="0"/>
-                </a:rPr>
-                <a:t>Goal With Regions</a:t>
-              </a:r>
-            </a:p>
-            <a:p>
-              <a:pPr>
-                <a:spcAft>
-                  <a:spcPts val="221"/>
-                </a:spcAft>
-              </a:pPr>
-              <a:r>
-                <a:rPr lang="en-US" sz="1400" b="1">
-                  <a:latin typeface="Times New Roman" panose="02020603050405020304" pitchFamily="18" charset="0"/>
-                  <a:cs typeface="Times New Roman" panose="02020603050405020304" pitchFamily="18" charset="0"/>
-                </a:rPr>
-                <a:t>Goal Without </a:t>
-              </a:r>
-              <a:r>
-                <a:rPr lang="en-US" sz="1400" b="1" dirty="0">
-                  <a:latin typeface="Times New Roman" panose="02020603050405020304" pitchFamily="18" charset="0"/>
-                  <a:cs typeface="Times New Roman" panose="02020603050405020304" pitchFamily="18" charset="0"/>
-                </a:rPr>
-                <a:t>Regions</a:t>
-              </a:r>
-            </a:p>
-            <a:p>
-              <a:pPr>
-                <a:spcAft>
-                  <a:spcPts val="221"/>
-                </a:spcAft>
-              </a:pPr>
-              <a:r>
-                <a:rPr lang="en-US" sz="1400" b="1" dirty="0">
-                  <a:latin typeface="Times New Roman" panose="02020603050405020304" pitchFamily="18" charset="0"/>
-                  <a:cs typeface="Times New Roman" panose="02020603050405020304" pitchFamily="18" charset="0"/>
-                </a:rPr>
-                <a:t>Object</a:t>
-              </a:r>
-            </a:p>
-            <a:p>
-              <a:pPr>
-                <a:spcAft>
-                  <a:spcPts val="221"/>
-                </a:spcAft>
-              </a:pPr>
-              <a:r>
-                <a:rPr lang="en-US" sz="1400" b="1" dirty="0">
-                  <a:latin typeface="Times New Roman" panose="02020603050405020304" pitchFamily="18" charset="0"/>
-                  <a:cs typeface="Times New Roman" panose="02020603050405020304" pitchFamily="18" charset="0"/>
-                </a:rPr>
-                <a:t>Robots in Region</a:t>
-              </a:r>
-            </a:p>
-            <a:p>
-              <a:pPr>
-                <a:spcAft>
-                  <a:spcPts val="221"/>
-                </a:spcAft>
-              </a:pPr>
-              <a:r>
-                <a:rPr lang="en-US" sz="1400" b="1" dirty="0">
-                  <a:latin typeface="Times New Roman" panose="02020603050405020304" pitchFamily="18" charset="0"/>
-                  <a:cs typeface="Times New Roman" panose="02020603050405020304" pitchFamily="18" charset="0"/>
-                </a:rPr>
-                <a:t>Robots out of Region</a:t>
-              </a:r>
-            </a:p>
-          </p:txBody>
-        </p:sp>
-        <p:sp>
-          <p:nvSpPr>
-            <p:cNvPr id="41" name="Oval 40"/>
-            <p:cNvSpPr/>
-            <p:nvPr/>
-          </p:nvSpPr>
-          <p:spPr>
-            <a:xfrm>
-              <a:off x="2928900" y="711651"/>
-              <a:ext cx="128892" cy="137260"/>
-            </a:xfrm>
-            <a:prstGeom prst="ellipse">
-              <a:avLst/>
-            </a:prstGeom>
-            <a:noFill/>
-            <a:ln w="38100">
-              <a:solidFill>
-                <a:srgbClr val="FF0000"/>
-              </a:solidFill>
-            </a:ln>
-          </p:spPr>
-          <p:style>
-            <a:lnRef idx="2">
-              <a:schemeClr val="accent1">
-                <a:shade val="50000"/>
-              </a:schemeClr>
-            </a:lnRef>
-            <a:fillRef idx="1">
-              <a:schemeClr val="accent1"/>
-            </a:fillRef>
-            <a:effectRef idx="0">
-              <a:schemeClr val="accent1"/>
-            </a:effectRef>
-            <a:fontRef idx="minor">
-              <a:schemeClr val="lt1"/>
-            </a:fontRef>
-          </p:style>
-          <p:txBody>
-            <a:bodyPr rot="0" spcFirstLastPara="0" vertOverflow="overflow" horzOverflow="overflow" vert="horz" wrap="square" lIns="101298" tIns="50649" rIns="101298" bIns="50649" numCol="1" spcCol="0" rtlCol="0" fromWordArt="0" anchor="ctr" anchorCtr="0" forceAA="0" compatLnSpc="1">
-              <a:prstTxWarp prst="textNoShape">
-                <a:avLst/>
-              </a:prstTxWarp>
-              <a:noAutofit/>
-            </a:bodyPr>
-            <a:lstStyle/>
-            <a:p>
-              <a:pPr algn="ctr"/>
-              <a:endParaRPr lang="en-US" sz="1994"/>
-            </a:p>
-          </p:txBody>
-        </p:sp>
-        <p:sp>
-          <p:nvSpPr>
-            <p:cNvPr id="44" name="Oval 43"/>
-            <p:cNvSpPr/>
-            <p:nvPr/>
-          </p:nvSpPr>
-          <p:spPr>
-            <a:xfrm>
-              <a:off x="2934043" y="469547"/>
-              <a:ext cx="128892" cy="137260"/>
-            </a:xfrm>
-            <a:prstGeom prst="ellipse">
-              <a:avLst/>
-            </a:prstGeom>
-            <a:noFill/>
-            <a:ln w="38100">
-              <a:solidFill>
-                <a:schemeClr val="tx1"/>
-              </a:solidFill>
-            </a:ln>
-          </p:spPr>
-          <p:style>
-            <a:lnRef idx="2">
-              <a:schemeClr val="accent1">
-                <a:shade val="50000"/>
-              </a:schemeClr>
-            </a:lnRef>
-            <a:fillRef idx="1">
-              <a:schemeClr val="accent1"/>
-            </a:fillRef>
-            <a:effectRef idx="0">
-              <a:schemeClr val="accent1"/>
-            </a:effectRef>
-            <a:fontRef idx="minor">
-              <a:schemeClr val="lt1"/>
-            </a:fontRef>
-          </p:style>
-          <p:txBody>
-            <a:bodyPr rot="0" spcFirstLastPara="0" vertOverflow="overflow" horzOverflow="overflow" vert="horz" wrap="square" lIns="101298" tIns="50649" rIns="101298" bIns="50649" numCol="1" spcCol="0" rtlCol="0" fromWordArt="0" anchor="ctr" anchorCtr="0" forceAA="0" compatLnSpc="1">
-              <a:prstTxWarp prst="textNoShape">
-                <a:avLst/>
-              </a:prstTxWarp>
-              <a:noAutofit/>
-            </a:bodyPr>
-            <a:lstStyle/>
-            <a:p>
-              <a:pPr algn="ctr"/>
-              <a:endParaRPr lang="en-US" sz="1994"/>
-            </a:p>
-          </p:txBody>
-        </p:sp>
-      </p:grpSp>
+          <a:prstGeom prst="rect">
+            <a:avLst/>
+          </a:prstGeom>
+          <a:noFill/>
+          <a:ln w="28575">
+            <a:solidFill>
+              <a:srgbClr val="C00000"/>
+            </a:solidFill>
+          </a:ln>
+        </p:spPr>
+        <p:txBody>
+          <a:bodyPr wrap="square" rtlCol="0">
+            <a:spAutoFit/>
+          </a:bodyPr>
+          <a:lstStyle/>
+          <a:p>
+            <a:pPr>
+              <a:spcAft>
+                <a:spcPts val="221"/>
+              </a:spcAft>
+            </a:pPr>
+            <a:r>
+              <a:rPr lang="en-US" sz="1400" b="1" dirty="0">
+                <a:latin typeface="Times New Roman" panose="02020603050405020304" pitchFamily="18" charset="0"/>
+                <a:cs typeface="Times New Roman" panose="02020603050405020304" pitchFamily="18" charset="0"/>
+              </a:rPr>
+              <a:t>Goal With Regions</a:t>
+            </a:r>
+          </a:p>
+          <a:p>
+            <a:pPr>
+              <a:spcAft>
+                <a:spcPts val="221"/>
+              </a:spcAft>
+            </a:pPr>
+            <a:r>
+              <a:rPr lang="en-US" sz="1400" b="1" dirty="0">
+                <a:latin typeface="Times New Roman" panose="02020603050405020304" pitchFamily="18" charset="0"/>
+                <a:cs typeface="Times New Roman" panose="02020603050405020304" pitchFamily="18" charset="0"/>
+              </a:rPr>
+              <a:t>Goal Without Regions</a:t>
+            </a:r>
+          </a:p>
+          <a:p>
+            <a:pPr>
+              <a:spcAft>
+                <a:spcPts val="221"/>
+              </a:spcAft>
+            </a:pPr>
+            <a:r>
+              <a:rPr lang="en-US" sz="1400" b="1" dirty="0">
+                <a:latin typeface="Times New Roman" panose="02020603050405020304" pitchFamily="18" charset="0"/>
+                <a:cs typeface="Times New Roman" panose="02020603050405020304" pitchFamily="18" charset="0"/>
+              </a:rPr>
+              <a:t>Object</a:t>
+            </a:r>
+          </a:p>
+          <a:p>
+            <a:pPr>
+              <a:spcAft>
+                <a:spcPts val="221"/>
+              </a:spcAft>
+            </a:pPr>
+            <a:r>
+              <a:rPr lang="en-US" sz="1400" b="1" dirty="0">
+                <a:latin typeface="Times New Roman" panose="02020603050405020304" pitchFamily="18" charset="0"/>
+                <a:cs typeface="Times New Roman" panose="02020603050405020304" pitchFamily="18" charset="0"/>
+              </a:rPr>
+              <a:t>Robots in Region</a:t>
+            </a:r>
+          </a:p>
+          <a:p>
+            <a:pPr>
+              <a:spcAft>
+                <a:spcPts val="221"/>
+              </a:spcAft>
+            </a:pPr>
+            <a:r>
+              <a:rPr lang="en-US" sz="1400" b="1" dirty="0">
+                <a:latin typeface="Times New Roman" panose="02020603050405020304" pitchFamily="18" charset="0"/>
+                <a:cs typeface="Times New Roman" panose="02020603050405020304" pitchFamily="18" charset="0"/>
+              </a:rPr>
+              <a:t>Robots out of Region</a:t>
+            </a:r>
+          </a:p>
+        </p:txBody>
+      </p:sp>
     </p:spTree>
     <p:extLst>
       <p:ext uri="{BB962C8B-B14F-4D97-AF65-F5344CB8AC3E}">
